--- a/Daily Agendas/Day7.4_ModuleWork.pptx
+++ b/Daily Agendas/Day7.4_ModuleWork.pptx
@@ -3076,11 +3076,7 @@
           <a:p>
             <a:r>
               <a:rPr lang="en-US" dirty="0" smtClean="0"/>
-              <a:t>Module 3 Work – Mar </a:t>
-            </a:r>
-            <a:r>
-              <a:rPr lang="en-US" dirty="0" smtClean="0"/>
-              <a:t>28</a:t>
+              <a:t>Module 3 Work – Mar 28</a:t>
             </a:r>
             <a:endParaRPr lang="en-US" dirty="0"/>
           </a:p>
@@ -3122,16 +3118,36 @@
           <a:p>
             <a:pPr lvl="2"/>
             <a:r>
+              <a:rPr lang="en-CA" dirty="0"/>
+              <a:t>Alisha, </a:t>
+            </a:r>
+            <a:r>
+              <a:rPr lang="en-CA" dirty="0" err="1"/>
+              <a:t>Gursimrat</a:t>
+            </a:r>
+            <a:r>
+              <a:rPr lang="en-CA" dirty="0"/>
+              <a:t>, </a:t>
+            </a:r>
+            <a:r>
+              <a:rPr lang="en-CA" dirty="0" err="1"/>
+              <a:t>Khushi</a:t>
+            </a:r>
+            <a:r>
+              <a:rPr lang="en-CA" dirty="0"/>
+              <a:t> </a:t>
+            </a:r>
+            <a:endParaRPr lang="en-CA" dirty="0" smtClean="0"/>
+          </a:p>
+          <a:p>
+            <a:pPr lvl="1"/>
+            <a:r>
               <a:rPr lang="en-CA" dirty="0" smtClean="0"/>
-              <a:t>Darren &amp; Raymond</a:t>
-            </a:r>
-            <a:endParaRPr lang="en-CA" dirty="0"/>
-          </a:p>
-          <a:p>
-            <a:pPr lvl="1"/>
+              <a:t>Marks </a:t>
+            </a:r>
             <a:r>
               <a:rPr lang="en-CA" dirty="0" smtClean="0"/>
-              <a:t>Marks Spreadsheet </a:t>
+              <a:t>Spreadsheet </a:t>
             </a:r>
           </a:p>
           <a:p>
@@ -3164,11 +3180,7 @@
             <a:pPr lvl="2"/>
             <a:r>
               <a:rPr lang="en-CA" dirty="0" smtClean="0"/>
-              <a:t>Module </a:t>
-            </a:r>
-            <a:r>
-              <a:rPr lang="en-CA" dirty="0" smtClean="0"/>
-              <a:t>B.3</a:t>
+              <a:t>Module B.3</a:t>
             </a:r>
             <a:r>
               <a:rPr lang="en-CA" dirty="0"/>
@@ -3218,7 +3230,6 @@
               <a:rPr lang="en-US" sz="2400" dirty="0" smtClean="0"/>
               <a:t>Trade Show</a:t>
             </a:r>
-            <a:endParaRPr lang="en-US" sz="2400" dirty="0" smtClean="0"/>
           </a:p>
           <a:p>
             <a:pPr lvl="1"/>
@@ -3230,11 +3241,6 @@
               </a:rPr>
               <a:t>April 8 &amp; 9 : Mid-Term Test</a:t>
             </a:r>
-            <a:endParaRPr lang="en-CA" sz="2400" b="1" dirty="0" smtClean="0">
-              <a:solidFill>
-                <a:srgbClr val="FF0000"/>
-              </a:solidFill>
-            </a:endParaRPr>
           </a:p>
         </p:txBody>
       </p:sp>
